--- a/1_digital_logic_circuit.pptx
+++ b/1_digital_logic_circuit.pptx
@@ -12220,7 +12220,7 @@
           <a:p>
             <a:fld id="{849EB8B3-6EA9-42A6-A58A-67D080FECCEE}" type="datetimeFigureOut">
               <a:rPr lang="ko-KR" altLang="en-US" smtClean="0"/>
-              <a:t>2022-01-02</a:t>
+              <a:t>2022-01-09</a:t>
             </a:fld>
             <a:endParaRPr lang="ko-KR" altLang="en-US"/>
           </a:p>
@@ -25333,304 +25333,414 @@
           </a:p>
         </p:txBody>
       </p:sp>
-      <p:sp>
-        <p:nvSpPr>
-          <p:cNvPr id="5" name="TextBox 4">
-            <a:extLst>
-              <a:ext uri="{FF2B5EF4-FFF2-40B4-BE49-F238E27FC236}">
-                <a16:creationId xmlns:a16="http://schemas.microsoft.com/office/drawing/2014/main" id="{B2FB9A41-BA64-DA40-8C0B-26E60D84B2B6}"/>
-              </a:ext>
-            </a:extLst>
-          </p:cNvPr>
-          <p:cNvSpPr txBox="1"/>
-          <p:nvPr/>
-        </p:nvSpPr>
-        <p:spPr>
-          <a:xfrm>
-            <a:off x="2949322" y="1533221"/>
-            <a:ext cx="8800188" cy="5909310"/>
-          </a:xfrm>
-          <a:prstGeom prst="rect">
-            <a:avLst/>
-          </a:prstGeom>
-          <a:noFill/>
-        </p:spPr>
-        <p:txBody>
-          <a:bodyPr wrap="square" rtlCol="0">
-            <a:spAutoFit/>
-          </a:bodyPr>
-          <a:lstStyle/>
-          <a:p>
-            <a:pPr marL="285750" indent="-285750">
-              <a:lnSpc>
-                <a:spcPct val="200000"/>
-              </a:lnSpc>
-              <a:buFont typeface="Arial" panose="020B0604020202020204" pitchFamily="34" charset="0"/>
-              <a:buChar char="•"/>
-            </a:pPr>
-            <a:r>
-              <a:rPr lang="ko-KR" altLang="en-US" dirty="0"/>
-              <a:t>정의 </a:t>
-            </a:r>
-            <a:r>
-              <a:rPr lang="en-US" altLang="ko-KR" dirty="0"/>
-              <a:t>:</a:t>
-            </a:r>
-            <a:r>
-              <a:rPr lang="ko-KR" altLang="en-US" dirty="0"/>
-              <a:t> </a:t>
-            </a:r>
-            <a:r>
-              <a:rPr lang="en-US" altLang="ko-KR" dirty="0"/>
-              <a:t>Two’s Complement(2</a:t>
-            </a:r>
-            <a:r>
-              <a:rPr lang="ko-KR" altLang="en-US" dirty="0"/>
-              <a:t>의 보수</a:t>
-            </a:r>
-            <a:r>
-              <a:rPr lang="en-US" altLang="ko-KR" dirty="0"/>
-              <a:t>)</a:t>
-            </a:r>
-            <a:r>
-              <a:rPr lang="ko-KR" altLang="en-US" dirty="0"/>
-              <a:t>란 해당하는 양의 정수 </a:t>
-            </a:r>
-            <a:r>
-              <a:rPr lang="en-US" altLang="ko-KR" dirty="0"/>
-              <a:t>X</a:t>
-            </a:r>
-            <a:r>
-              <a:rPr lang="ko-KR" altLang="en-US" dirty="0" err="1"/>
-              <a:t>를</a:t>
-            </a:r>
-            <a:r>
-              <a:rPr lang="ko-KR" altLang="en-US" dirty="0"/>
-              <a:t> 이보다 더 큰 </a:t>
-            </a:r>
-            <a:endParaRPr lang="en-US" altLang="ko-KR" dirty="0"/>
-          </a:p>
-          <a:p>
-            <a:pPr>
-              <a:lnSpc>
-                <a:spcPct val="200000"/>
-              </a:lnSpc>
-            </a:pPr>
-            <a:r>
-              <a:rPr lang="ko-KR" altLang="en-US" dirty="0"/>
-              <a:t>    </a:t>
-            </a:r>
-            <a:r>
-              <a:rPr lang="en-US" altLang="ko-KR" dirty="0"/>
-              <a:t>2^N</a:t>
-            </a:r>
-            <a:r>
-              <a:rPr lang="ko-KR" altLang="en-US" dirty="0"/>
-              <a:t>에서 뺌으로써 </a:t>
-            </a:r>
-            <a:r>
-              <a:rPr lang="en-US" altLang="ko-KR" dirty="0"/>
-              <a:t>X</a:t>
-            </a:r>
-            <a:r>
-              <a:rPr lang="ko-KR" altLang="en-US" dirty="0"/>
-              <a:t>의 음수인 </a:t>
-            </a:r>
-            <a:r>
-              <a:rPr lang="en-US" altLang="ko-KR" dirty="0"/>
-              <a:t>X’</a:t>
-            </a:r>
-            <a:r>
-              <a:rPr lang="ko-KR" altLang="en-US" dirty="0"/>
-              <a:t>을 표현하는 방식</a:t>
-            </a:r>
-            <a:r>
-              <a:rPr lang="en-US" altLang="ko-KR" dirty="0"/>
-              <a:t>(2^N – X = X’)</a:t>
-            </a:r>
-          </a:p>
-          <a:p>
-            <a:pPr marL="285750" indent="-285750">
-              <a:lnSpc>
-                <a:spcPct val="200000"/>
-              </a:lnSpc>
-              <a:buFont typeface="Arial" panose="020B0604020202020204" pitchFamily="34" charset="0"/>
-              <a:buChar char="•"/>
-            </a:pPr>
-            <a:r>
-              <a:rPr lang="en-US" altLang="ko-KR" dirty="0"/>
-              <a:t>Definition</a:t>
-            </a:r>
-          </a:p>
-          <a:p>
-            <a:pPr>
-              <a:lnSpc>
-                <a:spcPct val="200000"/>
-              </a:lnSpc>
-            </a:pPr>
-            <a:r>
-              <a:rPr lang="en-US" altLang="ko-KR" dirty="0"/>
-              <a:t>	A binary number defined as the value obtained by subtracting the 	number from a large power of two (specifically, from 2N for an N-bit 	two's complement)</a:t>
-            </a:r>
-          </a:p>
-          <a:p>
-            <a:pPr marL="285750" indent="-285750">
-              <a:lnSpc>
-                <a:spcPct val="200000"/>
-              </a:lnSpc>
-              <a:buFont typeface="Arial" panose="020B0604020202020204" pitchFamily="34" charset="0"/>
-              <a:buChar char="•"/>
-            </a:pPr>
-            <a:r>
-              <a:rPr lang="ko-KR" altLang="en-US" dirty="0"/>
-              <a:t>기존 방식의 문제를</a:t>
-            </a:r>
-            <a:r>
-              <a:rPr lang="en-US" altLang="ko-KR" dirty="0"/>
-              <a:t> </a:t>
-            </a:r>
-            <a:r>
-              <a:rPr lang="ko-KR" altLang="en-US" dirty="0"/>
-              <a:t>보완</a:t>
-            </a:r>
-            <a:r>
-              <a:rPr lang="en-US" altLang="ko-KR" dirty="0"/>
-              <a:t>(Addition</a:t>
-            </a:r>
-            <a:r>
-              <a:rPr lang="ko-KR" altLang="en-US" dirty="0"/>
-              <a:t>이 가능하고</a:t>
-            </a:r>
-            <a:r>
-              <a:rPr lang="en-US" altLang="ko-KR" dirty="0"/>
-              <a:t>,</a:t>
-            </a:r>
-            <a:r>
-              <a:rPr lang="ko-KR" altLang="en-US" dirty="0"/>
-              <a:t> </a:t>
-            </a:r>
-            <a:r>
-              <a:rPr lang="en-US" altLang="ko-KR" dirty="0"/>
-              <a:t>0</a:t>
-            </a:r>
-            <a:r>
-              <a:rPr lang="ko-KR" altLang="en-US" dirty="0"/>
-              <a:t>의 표현이 </a:t>
-            </a:r>
-            <a:r>
-              <a:rPr lang="en-US" altLang="ko-KR" dirty="0"/>
-              <a:t>1</a:t>
-            </a:r>
-            <a:r>
-              <a:rPr lang="ko-KR" altLang="en-US" dirty="0"/>
-              <a:t>개만 존재</a:t>
-            </a:r>
-            <a:r>
-              <a:rPr lang="en-US" altLang="ko-KR" dirty="0"/>
-              <a:t>)</a:t>
-            </a:r>
-          </a:p>
-          <a:p>
-            <a:pPr marL="285750" indent="-285750">
-              <a:lnSpc>
-                <a:spcPct val="200000"/>
-              </a:lnSpc>
-              <a:buFont typeface="Arial" panose="020B0604020202020204" pitchFamily="34" charset="0"/>
-              <a:buChar char="•"/>
-            </a:pPr>
-            <a:r>
-              <a:rPr lang="ko-KR" altLang="en-US" dirty="0"/>
-              <a:t>기존처럼 </a:t>
-            </a:r>
-            <a:r>
-              <a:rPr lang="en-US" altLang="ko-KR" dirty="0"/>
-              <a:t>MSB</a:t>
-            </a:r>
-            <a:r>
-              <a:rPr lang="ko-KR" altLang="en-US" dirty="0" err="1"/>
-              <a:t>를</a:t>
-            </a:r>
-            <a:r>
-              <a:rPr lang="ko-KR" altLang="en-US" dirty="0"/>
-              <a:t> 통해 양수와 음수 판별 가능</a:t>
-            </a:r>
-            <a:r>
-              <a:rPr lang="en-US" altLang="ko-KR" dirty="0"/>
-              <a:t>(</a:t>
-            </a:r>
-            <a:r>
-              <a:rPr lang="ko-KR" altLang="en-US" dirty="0"/>
-              <a:t>양수 </a:t>
-            </a:r>
-            <a:r>
-              <a:rPr lang="en-US" altLang="ko-KR" dirty="0"/>
-              <a:t>-&gt;</a:t>
-            </a:r>
-            <a:r>
-              <a:rPr lang="ko-KR" altLang="en-US" dirty="0"/>
-              <a:t> </a:t>
-            </a:r>
-            <a:r>
-              <a:rPr lang="en-US" altLang="ko-KR" dirty="0"/>
-              <a:t>0,</a:t>
-            </a:r>
-            <a:r>
-              <a:rPr lang="ko-KR" altLang="en-US" dirty="0"/>
-              <a:t> 음수 </a:t>
-            </a:r>
-            <a:r>
-              <a:rPr lang="en-US" altLang="ko-KR" dirty="0"/>
-              <a:t>-&gt;</a:t>
-            </a:r>
-            <a:r>
-              <a:rPr lang="ko-KR" altLang="en-US" dirty="0"/>
-              <a:t> </a:t>
-            </a:r>
-            <a:r>
-              <a:rPr lang="en-US" altLang="ko-KR" dirty="0"/>
-              <a:t>1)</a:t>
-            </a:r>
-          </a:p>
-          <a:p>
-            <a:pPr marL="285750" indent="-285750">
-              <a:lnSpc>
-                <a:spcPct val="200000"/>
-              </a:lnSpc>
-              <a:buFont typeface="Arial" panose="020B0604020202020204" pitchFamily="34" charset="0"/>
-              <a:buChar char="•"/>
-            </a:pPr>
-            <a:r>
-              <a:rPr lang="ko-KR" altLang="en-US" dirty="0"/>
-              <a:t>수의 범위 </a:t>
-            </a:r>
-            <a:r>
-              <a:rPr lang="en-US" altLang="ko-KR" dirty="0"/>
-              <a:t>:</a:t>
-            </a:r>
-            <a:r>
-              <a:rPr lang="ko-KR" altLang="en-US" dirty="0"/>
-              <a:t> </a:t>
-            </a:r>
-            <a:r>
-              <a:rPr lang="en-US" altLang="ko-KR" dirty="0"/>
-              <a:t>[ -2^(N - 1) , 2^(N - 1) - 1 ]</a:t>
-            </a:r>
-          </a:p>
-          <a:p>
-            <a:pPr marL="285750" indent="-285750">
-              <a:lnSpc>
-                <a:spcPct val="200000"/>
-              </a:lnSpc>
-              <a:buFont typeface="Arial" panose="020B0604020202020204" pitchFamily="34" charset="0"/>
-              <a:buChar char="•"/>
-            </a:pPr>
-            <a:endParaRPr lang="en-US" altLang="ko-KR" dirty="0"/>
-          </a:p>
-          <a:p>
-            <a:endParaRPr kumimoji="1" lang="ko-Kore-KR" altLang="en-US" dirty="0"/>
-          </a:p>
-        </p:txBody>
-      </p:sp>
+      <mc:AlternateContent xmlns:mc="http://schemas.openxmlformats.org/markup-compatibility/2006">
+        <mc:Choice xmlns:a14="http://schemas.microsoft.com/office/drawing/2010/main" Requires="a14">
+          <p:sp>
+            <p:nvSpPr>
+              <p:cNvPr id="5" name="TextBox 4">
+                <a:extLst>
+                  <a:ext uri="{FF2B5EF4-FFF2-40B4-BE49-F238E27FC236}">
+                    <a16:creationId xmlns:a16="http://schemas.microsoft.com/office/drawing/2014/main" id="{B2FB9A41-BA64-DA40-8C0B-26E60D84B2B6}"/>
+                  </a:ext>
+                </a:extLst>
+              </p:cNvPr>
+              <p:cNvSpPr txBox="1"/>
+              <p:nvPr/>
+            </p:nvSpPr>
+            <p:spPr>
+              <a:xfrm>
+                <a:off x="2949322" y="1533221"/>
+                <a:ext cx="8800188" cy="6042936"/>
+              </a:xfrm>
+              <a:prstGeom prst="rect">
+                <a:avLst/>
+              </a:prstGeom>
+              <a:noFill/>
+            </p:spPr>
+            <p:txBody>
+              <a:bodyPr wrap="square" rtlCol="0">
+                <a:spAutoFit/>
+              </a:bodyPr>
+              <a:lstStyle/>
+              <a:p>
+                <a:pPr marL="285750" indent="-285750">
+                  <a:lnSpc>
+                    <a:spcPct val="200000"/>
+                  </a:lnSpc>
+                  <a:buFont typeface="Arial" panose="020B0604020202020204" pitchFamily="34" charset="0"/>
+                  <a:buChar char="•"/>
+                </a:pPr>
+                <a:r>
+                  <a:rPr lang="ko-KR" altLang="en-US" dirty="0"/>
+                  <a:t>정의 </a:t>
+                </a:r>
+                <a:r>
+                  <a:rPr lang="en-US" altLang="ko-KR" dirty="0"/>
+                  <a:t>:</a:t>
+                </a:r>
+                <a:r>
+                  <a:rPr lang="ko-KR" altLang="en-US" dirty="0"/>
+                  <a:t> </a:t>
+                </a:r>
+                <a:r>
+                  <a:rPr lang="en-US" altLang="ko-KR" dirty="0"/>
+                  <a:t>Two’s Complement(2</a:t>
+                </a:r>
+                <a:r>
+                  <a:rPr lang="ko-KR" altLang="en-US" dirty="0"/>
+                  <a:t>의 보수</a:t>
+                </a:r>
+                <a:r>
+                  <a:rPr lang="en-US" altLang="ko-KR" dirty="0"/>
+                  <a:t>)</a:t>
+                </a:r>
+                <a:r>
+                  <a:rPr lang="ko-KR" altLang="en-US" dirty="0"/>
+                  <a:t>란 해당하는 양의 정수 </a:t>
+                </a:r>
+                <a:r>
+                  <a:rPr lang="en-US" altLang="ko-KR" dirty="0"/>
+                  <a:t>X</a:t>
+                </a:r>
+                <a:r>
+                  <a:rPr lang="ko-KR" altLang="en-US" dirty="0" err="1"/>
+                  <a:t>를</a:t>
+                </a:r>
+                <a:r>
+                  <a:rPr lang="ko-KR" altLang="en-US" dirty="0"/>
+                  <a:t> 이보다 더 큰 </a:t>
+                </a:r>
+                <a:endParaRPr lang="en-US" altLang="ko-KR" dirty="0"/>
+              </a:p>
+              <a:p>
+                <a:pPr>
+                  <a:lnSpc>
+                    <a:spcPct val="200000"/>
+                  </a:lnSpc>
+                </a:pPr>
+                <a:r>
+                  <a:rPr lang="ko-KR" altLang="en-US" dirty="0"/>
+                  <a:t>    </a:t>
+                </a:r>
+                <a:r>
+                  <a:rPr lang="en-US" altLang="ko-KR" dirty="0"/>
+                  <a:t>2^N</a:t>
+                </a:r>
+                <a:r>
+                  <a:rPr lang="ko-KR" altLang="en-US" dirty="0"/>
+                  <a:t>에서 뺌으로써 </a:t>
+                </a:r>
+                <a:r>
+                  <a:rPr lang="en-US" altLang="ko-KR" dirty="0"/>
+                  <a:t>X</a:t>
+                </a:r>
+                <a:r>
+                  <a:rPr lang="ko-KR" altLang="en-US" dirty="0"/>
+                  <a:t>의 음수인 </a:t>
+                </a:r>
+                <a:r>
+                  <a:rPr lang="en-US" altLang="ko-KR" dirty="0"/>
+                  <a:t>X’</a:t>
+                </a:r>
+                <a:r>
+                  <a:rPr lang="ko-KR" altLang="en-US" dirty="0"/>
+                  <a:t>을 표현하는 방식</a:t>
+                </a:r>
+                <a14:m>
+                  <m:oMath xmlns:m="http://schemas.openxmlformats.org/officeDocument/2006/math">
+                    <m:r>
+                      <a:rPr lang="en-US" altLang="ko-KR" b="0" i="0" dirty="0" smtClean="0">
+                        <a:latin typeface="Cambria Math" panose="02040503050406030204" pitchFamily="18" charset="0"/>
+                      </a:rPr>
+                      <m:t>(</m:t>
+                    </m:r>
+                    <m:sSup>
+                      <m:sSupPr>
+                        <m:ctrlPr>
+                          <a:rPr lang="en-US" altLang="ko-KR" i="1" dirty="0" smtClean="0">
+                            <a:latin typeface="Cambria Math" panose="02040503050406030204" pitchFamily="18" charset="0"/>
+                          </a:rPr>
+                        </m:ctrlPr>
+                      </m:sSupPr>
+                      <m:e>
+                        <m:r>
+                          <a:rPr lang="en-US" altLang="ko-KR" b="0" i="1" dirty="0" smtClean="0">
+                            <a:latin typeface="Cambria Math" panose="02040503050406030204" pitchFamily="18" charset="0"/>
+                          </a:rPr>
+                          <m:t>2</m:t>
+                        </m:r>
+                      </m:e>
+                      <m:sup>
+                        <m:r>
+                          <a:rPr lang="en-US" altLang="ko-KR" b="0" i="1" dirty="0" smtClean="0">
+                            <a:latin typeface="Cambria Math" panose="02040503050406030204" pitchFamily="18" charset="0"/>
+                          </a:rPr>
+                          <m:t>𝑁</m:t>
+                        </m:r>
+                      </m:sup>
+                    </m:sSup>
+                    <m:r>
+                      <a:rPr lang="en-US" altLang="ko-KR" b="0" i="1" dirty="0" smtClean="0">
+                        <a:latin typeface="Cambria Math" panose="02040503050406030204" pitchFamily="18" charset="0"/>
+                      </a:rPr>
+                      <m:t>−</m:t>
+                    </m:r>
+                    <m:r>
+                      <a:rPr lang="en-US" altLang="ko-KR" b="0" i="1" dirty="0" smtClean="0">
+                        <a:latin typeface="Cambria Math" panose="02040503050406030204" pitchFamily="18" charset="0"/>
+                      </a:rPr>
+                      <m:t>𝑋</m:t>
+                    </m:r>
+                    <m:r>
+                      <a:rPr lang="en-US" altLang="ko-KR" b="0" i="1" dirty="0" smtClean="0">
+                        <a:latin typeface="Cambria Math" panose="02040503050406030204" pitchFamily="18" charset="0"/>
+                      </a:rPr>
+                      <m:t>=</m:t>
+                    </m:r>
+                    <m:r>
+                      <a:rPr lang="en-US" altLang="ko-KR" b="0" i="1" dirty="0" smtClean="0">
+                        <a:latin typeface="Cambria Math" panose="02040503050406030204" pitchFamily="18" charset="0"/>
+                      </a:rPr>
+                      <m:t>𝑋</m:t>
+                    </m:r>
+                    <m:r>
+                      <a:rPr lang="en-US" altLang="ko-KR" b="0" i="1" dirty="0" smtClean="0">
+                        <a:latin typeface="Cambria Math" panose="02040503050406030204" pitchFamily="18" charset="0"/>
+                      </a:rPr>
+                      <m:t>′)</m:t>
+                    </m:r>
+                  </m:oMath>
+                </a14:m>
+                <a:endParaRPr lang="en-US" altLang="ko-KR" dirty="0"/>
+              </a:p>
+              <a:p>
+                <a:pPr marL="285750" indent="-285750">
+                  <a:lnSpc>
+                    <a:spcPct val="200000"/>
+                  </a:lnSpc>
+                  <a:buFont typeface="Arial" panose="020B0604020202020204" pitchFamily="34" charset="0"/>
+                  <a:buChar char="•"/>
+                </a:pPr>
+                <a:r>
+                  <a:rPr lang="en-US" altLang="ko-KR" dirty="0"/>
+                  <a:t>Definition</a:t>
+                </a:r>
+              </a:p>
+              <a:p>
+                <a:pPr>
+                  <a:lnSpc>
+                    <a:spcPct val="200000"/>
+                  </a:lnSpc>
+                </a:pPr>
+                <a:r>
+                  <a:rPr lang="en-US" altLang="ko-KR" dirty="0"/>
+                  <a:t>	A binary number defined as the value obtained by subtracting the 	number from a large power of two (specifically, from 2N for an N-bit 	two's complement)</a:t>
+                </a:r>
+              </a:p>
+              <a:p>
+                <a:pPr marL="285750" indent="-285750">
+                  <a:lnSpc>
+                    <a:spcPct val="200000"/>
+                  </a:lnSpc>
+                  <a:buFont typeface="Arial" panose="020B0604020202020204" pitchFamily="34" charset="0"/>
+                  <a:buChar char="•"/>
+                </a:pPr>
+                <a:r>
+                  <a:rPr lang="ko-KR" altLang="en-US" dirty="0"/>
+                  <a:t>기존 방식의 문제를</a:t>
+                </a:r>
+                <a:r>
+                  <a:rPr lang="en-US" altLang="ko-KR" dirty="0"/>
+                  <a:t> </a:t>
+                </a:r>
+                <a:r>
+                  <a:rPr lang="ko-KR" altLang="en-US" dirty="0"/>
+                  <a:t>보완</a:t>
+                </a:r>
+                <a:r>
+                  <a:rPr lang="en-US" altLang="ko-KR" dirty="0"/>
+                  <a:t>(Addition</a:t>
+                </a:r>
+                <a:r>
+                  <a:rPr lang="ko-KR" altLang="en-US" dirty="0"/>
+                  <a:t>이 가능하고</a:t>
+                </a:r>
+                <a:r>
+                  <a:rPr lang="en-US" altLang="ko-KR" dirty="0"/>
+                  <a:t>,</a:t>
+                </a:r>
+                <a:r>
+                  <a:rPr lang="ko-KR" altLang="en-US" dirty="0"/>
+                  <a:t> </a:t>
+                </a:r>
+                <a:r>
+                  <a:rPr lang="en-US" altLang="ko-KR" dirty="0"/>
+                  <a:t>0</a:t>
+                </a:r>
+                <a:r>
+                  <a:rPr lang="ko-KR" altLang="en-US" dirty="0"/>
+                  <a:t>의 표현이 </a:t>
+                </a:r>
+                <a:r>
+                  <a:rPr lang="en-US" altLang="ko-KR" dirty="0"/>
+                  <a:t>1</a:t>
+                </a:r>
+                <a:r>
+                  <a:rPr lang="ko-KR" altLang="en-US" dirty="0"/>
+                  <a:t>개만 존재</a:t>
+                </a:r>
+                <a:r>
+                  <a:rPr lang="en-US" altLang="ko-KR" dirty="0"/>
+                  <a:t>)</a:t>
+                </a:r>
+              </a:p>
+              <a:p>
+                <a:pPr marL="285750" indent="-285750">
+                  <a:lnSpc>
+                    <a:spcPct val="200000"/>
+                  </a:lnSpc>
+                  <a:buFont typeface="Arial" panose="020B0604020202020204" pitchFamily="34" charset="0"/>
+                  <a:buChar char="•"/>
+                </a:pPr>
+                <a:r>
+                  <a:rPr lang="ko-KR" altLang="en-US" dirty="0"/>
+                  <a:t>기존처럼 </a:t>
+                </a:r>
+                <a:r>
+                  <a:rPr lang="en-US" altLang="ko-KR" dirty="0"/>
+                  <a:t>MSB</a:t>
+                </a:r>
+                <a:r>
+                  <a:rPr lang="ko-KR" altLang="en-US" dirty="0" err="1"/>
+                  <a:t>를</a:t>
+                </a:r>
+                <a:r>
+                  <a:rPr lang="ko-KR" altLang="en-US" dirty="0"/>
+                  <a:t> 통해 양수와 음수 판별 가능</a:t>
+                </a:r>
+                <a:r>
+                  <a:rPr lang="en-US" altLang="ko-KR" dirty="0"/>
+                  <a:t>(</a:t>
+                </a:r>
+                <a:r>
+                  <a:rPr lang="ko-KR" altLang="en-US" dirty="0"/>
+                  <a:t>양수 </a:t>
+                </a:r>
+                <a:r>
+                  <a:rPr lang="en-US" altLang="ko-KR" dirty="0"/>
+                  <a:t>-&gt;</a:t>
+                </a:r>
+                <a:r>
+                  <a:rPr lang="ko-KR" altLang="en-US" dirty="0"/>
+                  <a:t> </a:t>
+                </a:r>
+                <a:r>
+                  <a:rPr lang="en-US" altLang="ko-KR" dirty="0"/>
+                  <a:t>0,</a:t>
+                </a:r>
+                <a:r>
+                  <a:rPr lang="ko-KR" altLang="en-US" dirty="0"/>
+                  <a:t> 음수 </a:t>
+                </a:r>
+                <a:r>
+                  <a:rPr lang="en-US" altLang="ko-KR" dirty="0"/>
+                  <a:t>-&gt;</a:t>
+                </a:r>
+                <a:r>
+                  <a:rPr lang="ko-KR" altLang="en-US" dirty="0"/>
+                  <a:t> </a:t>
+                </a:r>
+                <a:r>
+                  <a:rPr lang="en-US" altLang="ko-KR" dirty="0"/>
+                  <a:t>1)</a:t>
+                </a:r>
+              </a:p>
+              <a:p>
+                <a:pPr marL="285750" indent="-285750">
+                  <a:lnSpc>
+                    <a:spcPct val="200000"/>
+                  </a:lnSpc>
+                  <a:buFont typeface="Arial" panose="020B0604020202020204" pitchFamily="34" charset="0"/>
+                  <a:buChar char="•"/>
+                </a:pPr>
+                <a:r>
+                  <a:rPr lang="ko-KR" altLang="en-US" dirty="0"/>
+                  <a:t>수의 범위 </a:t>
+                </a:r>
+                <a:r>
+                  <a:rPr lang="en-US" altLang="ko-KR" dirty="0"/>
+                  <a:t>:</a:t>
+                </a:r>
+                <a:r>
+                  <a:rPr lang="ko-KR" altLang="en-US" dirty="0"/>
+                  <a:t> </a:t>
+                </a:r>
+                <a:r>
+                  <a:rPr lang="en-US" altLang="ko-KR" dirty="0"/>
+                  <a:t>[ -2^(N - 1) , 2^(N - 1) - 1 ]</a:t>
+                </a:r>
+              </a:p>
+              <a:p>
+                <a:pPr marL="285750" indent="-285750">
+                  <a:lnSpc>
+                    <a:spcPct val="200000"/>
+                  </a:lnSpc>
+                  <a:buFont typeface="Arial" panose="020B0604020202020204" pitchFamily="34" charset="0"/>
+                  <a:buChar char="•"/>
+                </a:pPr>
+                <a:endParaRPr lang="en-US" altLang="ko-KR" dirty="0"/>
+              </a:p>
+              <a:p>
+                <a:endParaRPr kumimoji="1" lang="ko-Kore-KR" altLang="en-US" dirty="0"/>
+              </a:p>
+            </p:txBody>
+          </p:sp>
+        </mc:Choice>
+        <mc:Fallback>
+          <p:sp>
+            <p:nvSpPr>
+              <p:cNvPr id="5" name="TextBox 4">
+                <a:extLst>
+                  <a:ext uri="{FF2B5EF4-FFF2-40B4-BE49-F238E27FC236}">
+                    <a16:creationId xmlns:a16="http://schemas.microsoft.com/office/drawing/2014/main" id="{B2FB9A41-BA64-DA40-8C0B-26E60D84B2B6}"/>
+                  </a:ext>
+                </a:extLst>
+              </p:cNvPr>
+              <p:cNvSpPr txBox="1">
+                <a:spLocks noRot="1" noChangeAspect="1" noMove="1" noResize="1" noEditPoints="1" noAdjustHandles="1" noChangeArrowheads="1" noChangeShapeType="1" noTextEdit="1"/>
+              </p:cNvSpPr>
+              <p:nvPr/>
+            </p:nvSpPr>
+            <p:spPr>
+              <a:xfrm>
+                <a:off x="2949322" y="1533221"/>
+                <a:ext cx="8800188" cy="6042936"/>
+              </a:xfrm>
+              <a:prstGeom prst="rect">
+                <a:avLst/>
+              </a:prstGeom>
+              <a:blipFill>
+                <a:blip r:embed="rId2"/>
+                <a:stretch>
+                  <a:fillRect l="-485"/>
+                </a:stretch>
+              </a:blipFill>
+            </p:spPr>
+            <p:txBody>
+              <a:bodyPr/>
+              <a:lstStyle/>
+              <a:p>
+                <a:r>
+                  <a:rPr lang="ko-KR" altLang="en-US">
+                    <a:noFill/>
+                  </a:rPr>
+                  <a:t> </a:t>
+                </a:r>
+              </a:p>
+            </p:txBody>
+          </p:sp>
+        </mc:Fallback>
+      </mc:AlternateContent>
     </p:spTree>
     <p:extLst>
       <p:ext uri="{BB962C8B-B14F-4D97-AF65-F5344CB8AC3E}">
@@ -32363,6 +32473,12 @@
 </file>
 
 <file path=customXml/item1.xml><?xml version="1.0" encoding="utf-8"?>
+<p:properties xmlns:p="http://schemas.microsoft.com/office/2006/metadata/properties" xmlns:xsi="http://www.w3.org/2001/XMLSchema-instance" xmlns:pc="http://schemas.microsoft.com/office/infopath/2007/PartnerControls">
+  <documentManagement/>
+</p:properties>
+</file>
+
+<file path=customXml/item2.xml><?xml version="1.0" encoding="utf-8"?>
 <ct:contentTypeSchema xmlns:ct="http://schemas.microsoft.com/office/2006/metadata/contentType" xmlns:ma="http://schemas.microsoft.com/office/2006/metadata/properties/metaAttributes" ct:_="" ma:_="" ma:contentTypeName="문서" ma:contentTypeID="0x0101001791F278CF11AC4AA1487A46848EB4E0" ma:contentTypeVersion="0" ma:contentTypeDescription="새 문서를 만듭니다." ma:contentTypeScope="" ma:versionID="31949d9ab949700f4c560d5c8316086a">
   <xsd:schema xmlns:xsd="http://www.w3.org/2001/XMLSchema" xmlns:xs="http://www.w3.org/2001/XMLSchema" xmlns:p="http://schemas.microsoft.com/office/2006/metadata/properties" targetNamespace="http://schemas.microsoft.com/office/2006/metadata/properties" ma:root="true" ma:fieldsID="199609682921266728776e66cf3cfe51">
     <xsd:element name="properties">
@@ -32476,12 +32592,6 @@
 </ct:contentTypeSchema>
 </file>
 
-<file path=customXml/item2.xml><?xml version="1.0" encoding="utf-8"?>
-<p:properties xmlns:p="http://schemas.microsoft.com/office/2006/metadata/properties" xmlns:xsi="http://www.w3.org/2001/XMLSchema-instance" xmlns:pc="http://schemas.microsoft.com/office/infopath/2007/PartnerControls">
-  <documentManagement/>
-</p:properties>
-</file>
-
 <file path=customXml/item3.xml><?xml version="1.0" encoding="utf-8"?>
 <?mso-contentType ?>
 <FormTemplates xmlns="http://schemas.microsoft.com/sharepoint/v3/contenttype/forms">
@@ -32492,6 +32602,21 @@
 </file>
 
 <file path=customXml/itemProps1.xml><?xml version="1.0" encoding="utf-8"?>
+<ds:datastoreItem xmlns:ds="http://schemas.openxmlformats.org/officeDocument/2006/customXml" ds:itemID="{01A34FCE-6CDE-43A9-8614-C386BDE36CAA}">
+  <ds:schemaRefs>
+    <ds:schemaRef ds:uri="http://purl.org/dc/elements/1.1/"/>
+    <ds:schemaRef ds:uri="http://schemas.microsoft.com/office/2006/documentManagement/types"/>
+    <ds:schemaRef ds:uri="http://schemas.openxmlformats.org/package/2006/metadata/core-properties"/>
+    <ds:schemaRef ds:uri="http://schemas.microsoft.com/office/infopath/2007/PartnerControls"/>
+    <ds:schemaRef ds:uri="http://www.w3.org/XML/1998/namespace"/>
+    <ds:schemaRef ds:uri="http://schemas.microsoft.com/office/2006/metadata/properties"/>
+    <ds:schemaRef ds:uri="http://purl.org/dc/dcmitype/"/>
+    <ds:schemaRef ds:uri="http://purl.org/dc/terms/"/>
+  </ds:schemaRefs>
+</ds:datastoreItem>
+</file>
+
+<file path=customXml/itemProps2.xml><?xml version="1.0" encoding="utf-8"?>
 <ds:datastoreItem xmlns:ds="http://schemas.openxmlformats.org/officeDocument/2006/customXml" ds:itemID="{1FFBC13A-669E-4D3B-8CDA-DE4DA5A340C5}">
   <ds:schemaRefs>
     <ds:schemaRef ds:uri="http://schemas.microsoft.com/office/2006/metadata/contentType"/>
@@ -32507,21 +32632,6 @@
 </ds:datastoreItem>
 </file>
 
-<file path=customXml/itemProps2.xml><?xml version="1.0" encoding="utf-8"?>
-<ds:datastoreItem xmlns:ds="http://schemas.openxmlformats.org/officeDocument/2006/customXml" ds:itemID="{01A34FCE-6CDE-43A9-8614-C386BDE36CAA}">
-  <ds:schemaRefs>
-    <ds:schemaRef ds:uri="http://purl.org/dc/elements/1.1/"/>
-    <ds:schemaRef ds:uri="http://schemas.microsoft.com/office/2006/documentManagement/types"/>
-    <ds:schemaRef ds:uri="http://schemas.openxmlformats.org/package/2006/metadata/core-properties"/>
-    <ds:schemaRef ds:uri="http://schemas.microsoft.com/office/infopath/2007/PartnerControls"/>
-    <ds:schemaRef ds:uri="http://www.w3.org/XML/1998/namespace"/>
-    <ds:schemaRef ds:uri="http://schemas.microsoft.com/office/2006/metadata/properties"/>
-    <ds:schemaRef ds:uri="http://purl.org/dc/dcmitype/"/>
-    <ds:schemaRef ds:uri="http://purl.org/dc/terms/"/>
-  </ds:schemaRefs>
-</ds:datastoreItem>
-</file>
-
 <file path=customXml/itemProps3.xml><?xml version="1.0" encoding="utf-8"?>
 <ds:datastoreItem xmlns:ds="http://schemas.openxmlformats.org/officeDocument/2006/customXml" ds:itemID="{7B77BAFF-1C2F-4CB3-93D5-48259A4524B6}">
   <ds:schemaRefs>
